--- a/cmsc125/ostep/slides/01.Virtualization/16.Segmentation.pptx
+++ b/cmsc125/ostep/slides/01.Virtualization/16.Segmentation.pptx
@@ -5,7 +5,7 @@
     <p:sldMasterId id="2147483670" r:id="rId1"/>
   </p:sldMasterIdLst>
   <p:notesMasterIdLst>
-    <p:notesMasterId r:id="rId19"/>
+    <p:notesMasterId r:id="rId21"/>
   </p:notesMasterIdLst>
   <p:sldIdLst>
     <p:sldId id="298" r:id="rId2"/>
@@ -21,10 +21,12 @@
     <p:sldId id="276" r:id="rId12"/>
     <p:sldId id="277" r:id="rId13"/>
     <p:sldId id="278" r:id="rId14"/>
-    <p:sldId id="279" r:id="rId15"/>
-    <p:sldId id="280" r:id="rId16"/>
-    <p:sldId id="281" r:id="rId17"/>
-    <p:sldId id="282" r:id="rId18"/>
+    <p:sldId id="300" r:id="rId15"/>
+    <p:sldId id="279" r:id="rId16"/>
+    <p:sldId id="280" r:id="rId17"/>
+    <p:sldId id="301" r:id="rId18"/>
+    <p:sldId id="281" r:id="rId19"/>
+    <p:sldId id="282" r:id="rId20"/>
   </p:sldIdLst>
   <p:sldSz cx="12192000" cy="6858000"/>
   <p:notesSz cx="6797675" cy="9928225"/>
@@ -254,7 +256,7 @@
           <a:p>
             <a:fld id="{050F0499-AE52-4672-879B-3107B2FC2A9F}" type="datetimeFigureOut">
               <a:rPr lang="ko-KR" altLang="en-US" smtClean="0"/>
-              <a:t>2021-07-21</a:t>
+              <a:t>2021-10-16</a:t>
             </a:fld>
             <a:endParaRPr lang="ko-KR" altLang="en-US"/>
           </a:p>
@@ -1664,7 +1666,7 @@
           <a:p>
             <a:r>
               <a:rPr lang="en-US" altLang="ko-KR" dirty="0"/>
-              <a:t>Segmentation Fault or Violation</a:t>
+              <a:t>Segmentation Fault or Segmentation Violation</a:t>
             </a:r>
             <a:endParaRPr lang="ko-KR" altLang="en-US" dirty="0"/>
           </a:p>
@@ -1691,11 +1693,11 @@
             </a:r>
             <a:r>
               <a:rPr lang="en-US" altLang="ko-KR" b="1" dirty="0"/>
-              <a:t>illegal address</a:t>
+              <a:t>illegal address,</a:t>
             </a:r>
             <a:r>
               <a:rPr lang="en-US" altLang="ko-KR" dirty="0"/>
-              <a:t> such as 7KB which is beyond the end of heap is referenced, the OS occurs </a:t>
+              <a:t> such as 7KB, which is beyond the end of heap is referenced, the OS generates </a:t>
             </a:r>
             <a:r>
               <a:rPr lang="en-US" altLang="ko-KR" b="1" dirty="0"/>
@@ -1718,7 +1720,7 @@
             </a:r>
             <a:r>
               <a:rPr lang="en-US" altLang="ko-KR" dirty="0"/>
-              <a:t>. </a:t>
+              <a:t>.</a:t>
             </a:r>
             <a:endParaRPr lang="ko-KR" altLang="en-US" dirty="0"/>
           </a:p>
@@ -2327,7 +2329,7 @@
           <a:p>
             <a:r>
               <a:rPr lang="en-US" altLang="ko-KR" dirty="0"/>
-              <a:t>Referring to Segment</a:t>
+              <a:t>Referring to a Segment(Cont.)</a:t>
             </a:r>
             <a:endParaRPr lang="ko-KR" altLang="en-US" dirty="0"/>
           </a:p>
@@ -2349,6 +2351,13 @@
           <a:lstStyle/>
           <a:p>
             <a:r>
+              <a:rPr lang="en-US" altLang="ko-KR" dirty="0"/>
+              <a:t>Given just a virtual address, how does the hardware determine the segment and offset?</a:t>
+            </a:r>
+            <a:endParaRPr lang="en-US" altLang="ko-KR" b="1" dirty="0"/>
+          </a:p>
+          <a:p>
+            <a:r>
               <a:rPr lang="en-US" altLang="ko-KR" b="1" dirty="0"/>
               <a:t>Explicit approach</a:t>
             </a:r>
@@ -2365,7 +2374,7 @@
             </a:r>
             <a:r>
               <a:rPr lang="en-US" altLang="ko-KR" dirty="0"/>
-              <a:t>of virtual address.</a:t>
+              <a:t>of virtual address</a:t>
             </a:r>
           </a:p>
           <a:p>
@@ -2378,9 +2387,10 @@
             <a:endParaRPr lang="en-US" altLang="ko-KR" dirty="0"/>
           </a:p>
           <a:p>
+            <a:pPr lvl="1"/>
             <a:r>
               <a:rPr lang="en-US" altLang="ko-KR" dirty="0"/>
-              <a:t>Example: virtual address 4200 (01000001101000)</a:t>
+              <a:t>Example: virtual address: 4200 (01000001101000)</a:t>
             </a:r>
           </a:p>
         </p:txBody>
@@ -2393,7 +2403,7 @@
         </p:nvGrpSpPr>
         <p:grpSpPr>
           <a:xfrm>
-            <a:off x="3133697" y="2348880"/>
+            <a:off x="3133697" y="2492896"/>
             <a:ext cx="5401114" cy="1353118"/>
             <a:chOff x="1485064" y="1787850"/>
             <a:chExt cx="5401114" cy="1353118"/>
@@ -4229,7 +4239,7 @@
         </p:nvGrpSpPr>
         <p:grpSpPr>
           <a:xfrm>
-            <a:off x="4494280" y="4485722"/>
+            <a:off x="4494280" y="4701746"/>
             <a:ext cx="5418145" cy="1353118"/>
             <a:chOff x="1608808" y="3501008"/>
             <a:chExt cx="5418145" cy="1353118"/>
@@ -7046,7 +7056,7 @@
         </p:nvGrpSpPr>
         <p:grpSpPr>
           <a:xfrm>
-            <a:off x="1919537" y="4490528"/>
+            <a:off x="1919537" y="4706552"/>
             <a:ext cx="2219995" cy="1386744"/>
             <a:chOff x="395536" y="3698440"/>
             <a:chExt cx="2219995" cy="1386744"/>
@@ -7252,7 +7262,7 @@
           <a:p>
             <a:r>
               <a:rPr lang="en-US" altLang="ko-KR" dirty="0"/>
-              <a:t>Referring to Segment(Cont.)</a:t>
+              <a:t>Referring to a Segment(Cont.)</a:t>
             </a:r>
             <a:endParaRPr lang="ko-KR" altLang="en-US" dirty="0"/>
           </a:p>
@@ -7285,10 +7295,7 @@
             <a:endParaRPr lang="en-US" altLang="ko-KR" dirty="0"/>
           </a:p>
           <a:p>
-            <a:endParaRPr lang="en-US" altLang="ko-KR" dirty="0"/>
-          </a:p>
-          <a:p>
-            <a:pPr lvl="1"/>
+            <a:pPr lvl="2"/>
             <a:r>
               <a:rPr lang="en-US" altLang="ko-KR" dirty="0">
                 <a:latin typeface="Courier New" panose="02070309020205020404" pitchFamily="49" charset="0"/>
@@ -7298,7 +7305,7 @@
             </a:r>
           </a:p>
           <a:p>
-            <a:pPr lvl="1"/>
+            <a:pPr lvl="2"/>
             <a:r>
               <a:rPr lang="en-US" altLang="ko-KR" dirty="0">
                 <a:latin typeface="Courier New" panose="02070309020205020404" pitchFamily="49" charset="0"/>
@@ -7308,7 +7315,7 @@
             </a:r>
           </a:p>
           <a:p>
-            <a:pPr lvl="1"/>
+            <a:pPr lvl="2"/>
             <a:r>
               <a:rPr lang="en-US" altLang="ko-KR" dirty="0">
                 <a:latin typeface="Courier New" panose="02070309020205020404" pitchFamily="49" charset="0"/>
@@ -7316,6 +7323,56 @@
               </a:rPr>
               <a:t>OFFSET_MASK = 0xFFF (00111111111111)</a:t>
             </a:r>
+          </a:p>
+          <a:p>
+            <a:pPr lvl="1"/>
+            <a:r>
+              <a:rPr lang="en-US" altLang="ko-KR" dirty="0">
+                <a:cs typeface="Courier New" panose="02070309020205020404" pitchFamily="49" charset="0"/>
+              </a:rPr>
+              <a:t>Disadvantages of explicit approach using top 2 bits</a:t>
+            </a:r>
+          </a:p>
+          <a:p>
+            <a:pPr lvl="2"/>
+            <a:r>
+              <a:rPr lang="en-US" altLang="ko-KR" dirty="0">
+                <a:cs typeface="Courier New" panose="02070309020205020404" pitchFamily="49" charset="0"/>
+              </a:rPr>
+              <a:t>If only 3 sections, then 2 bits to store segment is wasteful</a:t>
+            </a:r>
+          </a:p>
+          <a:p>
+            <a:pPr lvl="2"/>
+            <a:r>
+              <a:rPr lang="en-US" altLang="ko-KR" dirty="0">
+                <a:cs typeface="Courier New" panose="02070309020205020404" pitchFamily="49" charset="0"/>
+              </a:rPr>
+              <a:t>Limits a segment size, ex. max segment size is 4KB</a:t>
+            </a:r>
+          </a:p>
+          <a:p>
+            <a:r>
+              <a:rPr lang="en-US" altLang="ko-KR" b="1" dirty="0">
+                <a:cs typeface="Courier New" panose="02070309020205020404" pitchFamily="49" charset="0"/>
+              </a:rPr>
+              <a:t>Implicit approach – </a:t>
+            </a:r>
+            <a:r>
+              <a:rPr lang="en-US" altLang="ko-KR" dirty="0">
+                <a:cs typeface="Courier New" panose="02070309020205020404" pitchFamily="49" charset="0"/>
+              </a:rPr>
+              <a:t>determines segment based on how the virtual address was generated, ex. if from program counter, then code segment</a:t>
+            </a:r>
+            <a:endParaRPr lang="en-US" altLang="ko-KR" b="1" dirty="0">
+              <a:cs typeface="Courier New" panose="02070309020205020404" pitchFamily="49" charset="0"/>
+            </a:endParaRPr>
+          </a:p>
+          <a:p>
+            <a:pPr lvl="1"/>
+            <a:endParaRPr lang="en-US" altLang="ko-KR" dirty="0">
+              <a:cs typeface="Courier New" panose="02070309020205020404" pitchFamily="49" charset="0"/>
+            </a:endParaRPr>
           </a:p>
           <a:p>
             <a:endParaRPr lang="en-US" altLang="ko-KR" dirty="0"/>
@@ -7348,7 +7405,7 @@
         </p:nvSpPr>
         <p:spPr>
           <a:xfrm>
-            <a:off x="2406067" y="1031830"/>
+            <a:off x="2406067" y="692696"/>
             <a:ext cx="6552728" cy="2325162"/>
           </a:xfrm>
           <a:prstGeom prst="rect">
@@ -7876,7 +7933,7 @@
             </a:r>
             <a:r>
               <a:rPr lang="en-US" altLang="ko-KR" dirty="0"/>
-              <a:t>.</a:t>
+              <a:t>!</a:t>
             </a:r>
           </a:p>
           <a:p>
@@ -7886,7 +7943,7 @@
             </a:r>
             <a:r>
               <a:rPr lang="en-US" altLang="ko-KR" dirty="0"/>
-              <a:t> is need.</a:t>
+              <a:t> is needed</a:t>
             </a:r>
           </a:p>
           <a:p>
@@ -8585,6 +8642,189 @@
       </p:grpSpPr>
       <p:sp>
         <p:nvSpPr>
+          <p:cNvPr id="3" name="Title 2">
+            <a:extLst>
+              <a:ext uri="{FF2B5EF4-FFF2-40B4-BE49-F238E27FC236}">
+                <a16:creationId xmlns:a16="http://schemas.microsoft.com/office/drawing/2014/main" id="{7E2D7507-4D59-47BD-BF17-0C03C86554E3}"/>
+              </a:ext>
+            </a:extLst>
+          </p:cNvPr>
+          <p:cNvSpPr>
+            <a:spLocks noGrp="1"/>
+          </p:cNvSpPr>
+          <p:nvPr>
+            <p:ph type="title"/>
+          </p:nvPr>
+        </p:nvSpPr>
+        <p:spPr/>
+        <p:txBody>
+          <a:bodyPr/>
+          <a:lstStyle/>
+          <a:p>
+            <a:r>
+              <a:rPr lang="en-US" altLang="ko-KR" dirty="0"/>
+              <a:t>Referring to Stack Segment(Cont.)</a:t>
+            </a:r>
+            <a:endParaRPr lang="en-PH" dirty="0"/>
+          </a:p>
+        </p:txBody>
+      </p:sp>
+      <p:sp>
+        <p:nvSpPr>
+          <p:cNvPr id="4" name="Content Placeholder 3">
+            <a:extLst>
+              <a:ext uri="{FF2B5EF4-FFF2-40B4-BE49-F238E27FC236}">
+                <a16:creationId xmlns:a16="http://schemas.microsoft.com/office/drawing/2014/main" id="{27495D1F-2EC5-47B1-8749-7FDADAA5179E}"/>
+              </a:ext>
+            </a:extLst>
+          </p:cNvPr>
+          <p:cNvSpPr>
+            <a:spLocks noGrp="1"/>
+          </p:cNvSpPr>
+          <p:nvPr>
+            <p:ph idx="1"/>
+          </p:nvPr>
+        </p:nvSpPr>
+        <p:spPr/>
+        <p:txBody>
+          <a:bodyPr/>
+          <a:lstStyle/>
+          <a:p>
+            <a:r>
+              <a:rPr lang="en-PH" dirty="0"/>
+              <a:t>Example: reference to virtual address 15KB = 11 1100 0000 0000 = 0x3C00</a:t>
+            </a:r>
+          </a:p>
+          <a:p>
+            <a:r>
+              <a:rPr lang="en-PH" dirty="0"/>
+              <a:t>Segment=0x3(3), Offset=0xC00 (3KB)</a:t>
+            </a:r>
+          </a:p>
+          <a:p>
+            <a:r>
+              <a:rPr lang="en-PH" dirty="0"/>
+              <a:t>Negative Offset = Offset - Max Segment Size = 3KB - 4KB = -1KB</a:t>
+            </a:r>
+          </a:p>
+          <a:p>
+            <a:r>
+              <a:rPr lang="en-PH" dirty="0"/>
+              <a:t>Physical Address = Negative Offset + Stack Base</a:t>
+            </a:r>
+          </a:p>
+          <a:p>
+            <a:r>
+              <a:rPr lang="en-PH" dirty="0"/>
+              <a:t>Physical Address = -1KB + 28KB = 27KB </a:t>
+            </a:r>
+          </a:p>
+          <a:p>
+            <a:endParaRPr lang="en-PH" dirty="0"/>
+          </a:p>
+          <a:p>
+            <a:endParaRPr lang="en-PH" dirty="0"/>
+          </a:p>
+          <a:p>
+            <a:endParaRPr lang="en-PH" dirty="0"/>
+          </a:p>
+        </p:txBody>
+      </p:sp>
+      <p:pic>
+        <p:nvPicPr>
+          <p:cNvPr id="6" name="Picture 5">
+            <a:extLst>
+              <a:ext uri="{FF2B5EF4-FFF2-40B4-BE49-F238E27FC236}">
+                <a16:creationId xmlns:a16="http://schemas.microsoft.com/office/drawing/2014/main" id="{5AFA894D-67E3-4EE2-B095-B5ACB9562914}"/>
+              </a:ext>
+            </a:extLst>
+          </p:cNvPr>
+          <p:cNvPicPr>
+            <a:picLocks noChangeAspect="1"/>
+          </p:cNvPicPr>
+          <p:nvPr/>
+        </p:nvPicPr>
+        <p:blipFill>
+          <a:blip r:embed="rId2"/>
+          <a:stretch>
+            <a:fillRect/>
+          </a:stretch>
+        </p:blipFill>
+        <p:spPr>
+          <a:xfrm>
+            <a:off x="10427612" y="708820"/>
+            <a:ext cx="1633670" cy="4145038"/>
+          </a:xfrm>
+          <a:prstGeom prst="rect">
+            <a:avLst/>
+          </a:prstGeom>
+        </p:spPr>
+      </p:pic>
+      <p:pic>
+        <p:nvPicPr>
+          <p:cNvPr id="8" name="Picture 7">
+            <a:extLst>
+              <a:ext uri="{FF2B5EF4-FFF2-40B4-BE49-F238E27FC236}">
+                <a16:creationId xmlns:a16="http://schemas.microsoft.com/office/drawing/2014/main" id="{6128226C-114B-4907-87D5-DC51D74F3BE4}"/>
+              </a:ext>
+            </a:extLst>
+          </p:cNvPr>
+          <p:cNvPicPr>
+            <a:picLocks noChangeAspect="1"/>
+          </p:cNvPicPr>
+          <p:nvPr/>
+        </p:nvPicPr>
+        <p:blipFill>
+          <a:blip r:embed="rId3"/>
+          <a:stretch>
+            <a:fillRect/>
+          </a:stretch>
+        </p:blipFill>
+        <p:spPr>
+          <a:xfrm>
+            <a:off x="6169519" y="2348880"/>
+            <a:ext cx="4528329" cy="1829941"/>
+          </a:xfrm>
+          <a:prstGeom prst="rect">
+            <a:avLst/>
+          </a:prstGeom>
+        </p:spPr>
+      </p:pic>
+    </p:spTree>
+    <p:extLst>
+      <p:ext uri="{BB962C8B-B14F-4D97-AF65-F5344CB8AC3E}">
+        <p14:creationId xmlns:p14="http://schemas.microsoft.com/office/powerpoint/2010/main" val="3450517271"/>
+      </p:ext>
+    </p:extLst>
+  </p:cSld>
+  <p:clrMapOvr>
+    <a:masterClrMapping/>
+  </p:clrMapOvr>
+  <p:transition>
+    <p:zoom/>
+  </p:transition>
+</p:sld>
+</file>
+
+<file path=ppt/slides/slide15.xml><?xml version="1.0" encoding="utf-8"?>
+<p:sld xmlns:a="http://schemas.openxmlformats.org/drawingml/2006/main" xmlns:r="http://schemas.openxmlformats.org/officeDocument/2006/relationships" xmlns:p="http://schemas.openxmlformats.org/presentationml/2006/main">
+  <p:cSld>
+    <p:spTree>
+      <p:nvGrpSpPr>
+        <p:cNvPr id="1" name=""/>
+        <p:cNvGrpSpPr/>
+        <p:nvPr/>
+      </p:nvGrpSpPr>
+      <p:grpSpPr>
+        <a:xfrm>
+          <a:off x="0" y="0"/>
+          <a:ext cx="0" cy="0"/>
+          <a:chOff x="0" y="0"/>
+          <a:chExt cx="0" cy="0"/>
+        </a:xfrm>
+      </p:grpSpPr>
+      <p:sp>
+        <p:nvSpPr>
           <p:cNvPr id="2" name="제목 1"/>
           <p:cNvSpPr>
             <a:spLocks noGrp="1"/>
@@ -8631,7 +8871,7 @@
             </a:r>
             <a:r>
               <a:rPr lang="en-US" altLang="ko-KR" dirty="0"/>
-              <a:t> space.</a:t>
+              <a:t> space</a:t>
             </a:r>
           </a:p>
           <a:p>
@@ -8642,7 +8882,7 @@
             </a:r>
             <a:r>
               <a:rPr lang="en-US" altLang="ko-KR" dirty="0"/>
-              <a:t>is still in use in systems today.</a:t>
+              <a:t>is still in use in systems today</a:t>
             </a:r>
           </a:p>
           <a:p>
@@ -8655,11 +8895,11 @@
           <a:p>
             <a:r>
               <a:rPr lang="en-US" altLang="ko-KR" dirty="0"/>
-              <a:t>Extra hardware support is need for form of </a:t>
+              <a:t>Extra hardware support is need: </a:t>
             </a:r>
             <a:r>
               <a:rPr lang="en-US" altLang="ko-KR" b="1" dirty="0"/>
-              <a:t>Protection bits. </a:t>
+              <a:t>Protection Bits</a:t>
             </a:r>
           </a:p>
           <a:p>
@@ -8686,16 +8926,21 @@
             </a:r>
             <a:r>
               <a:rPr lang="en-US" altLang="ko-KR" dirty="0"/>
-              <a:t> write and </a:t>
+              <a:t> </a:t>
+            </a:r>
+            <a:r>
+              <a:rPr lang="en-US" altLang="ko-KR" b="1" dirty="0"/>
+              <a:t>write</a:t>
+            </a:r>
+            <a:r>
+              <a:rPr lang="en-US" altLang="ko-KR" dirty="0"/>
+              <a:t> and </a:t>
             </a:r>
             <a:r>
               <a:rPr lang="en-US" altLang="ko-KR" b="1" dirty="0"/>
               <a:t>execute</a:t>
             </a:r>
-            <a:r>
-              <a:rPr lang="en-US" altLang="ko-KR" dirty="0"/>
-              <a:t>. </a:t>
-            </a:r>
+            <a:endParaRPr lang="en-US" altLang="ko-KR" dirty="0"/>
           </a:p>
           <a:p>
             <a:pPr lvl="1"/>
@@ -8911,131 +9156,6 @@
 </p:sld>
 </file>
 
-<file path=ppt/slides/slide15.xml><?xml version="1.0" encoding="utf-8"?>
-<p:sld xmlns:a="http://schemas.openxmlformats.org/drawingml/2006/main" xmlns:r="http://schemas.openxmlformats.org/officeDocument/2006/relationships" xmlns:p="http://schemas.openxmlformats.org/presentationml/2006/main">
-  <p:cSld>
-    <p:spTree>
-      <p:nvGrpSpPr>
-        <p:cNvPr id="1" name=""/>
-        <p:cNvGrpSpPr/>
-        <p:nvPr/>
-      </p:nvGrpSpPr>
-      <p:grpSpPr>
-        <a:xfrm>
-          <a:off x="0" y="0"/>
-          <a:ext cx="0" cy="0"/>
-          <a:chOff x="0" y="0"/>
-          <a:chExt cx="0" cy="0"/>
-        </a:xfrm>
-      </p:grpSpPr>
-      <p:sp>
-        <p:nvSpPr>
-          <p:cNvPr id="2" name="제목 1"/>
-          <p:cNvSpPr>
-            <a:spLocks noGrp="1"/>
-          </p:cNvSpPr>
-          <p:nvPr>
-            <p:ph type="title"/>
-          </p:nvPr>
-        </p:nvSpPr>
-        <p:spPr/>
-        <p:txBody>
-          <a:bodyPr/>
-          <a:lstStyle/>
-          <a:p>
-            <a:r>
-              <a:rPr lang="en-US" altLang="ko-KR" dirty="0"/>
-              <a:t>Fine-Grained and Coarse-Grained</a:t>
-            </a:r>
-            <a:endParaRPr lang="ko-KR" altLang="en-US" dirty="0"/>
-          </a:p>
-        </p:txBody>
-      </p:sp>
-      <p:sp>
-        <p:nvSpPr>
-          <p:cNvPr id="3" name="내용 개체 틀 2"/>
-          <p:cNvSpPr>
-            <a:spLocks noGrp="1"/>
-          </p:cNvSpPr>
-          <p:nvPr>
-            <p:ph idx="1"/>
-          </p:nvPr>
-        </p:nvSpPr>
-        <p:spPr/>
-        <p:txBody>
-          <a:bodyPr/>
-          <a:lstStyle/>
-          <a:p>
-            <a:r>
-              <a:rPr lang="en-US" altLang="ko-KR" b="1" dirty="0"/>
-              <a:t>Coarse-Grained</a:t>
-            </a:r>
-            <a:r>
-              <a:rPr lang="en-US" altLang="ko-KR" dirty="0"/>
-              <a:t> means segmentation in a small number.</a:t>
-            </a:r>
-          </a:p>
-          <a:p>
-            <a:pPr lvl="1"/>
-            <a:r>
-              <a:rPr lang="en-US" altLang="ko-KR" dirty="0"/>
-              <a:t> e.g., code, heap, stack.</a:t>
-            </a:r>
-          </a:p>
-          <a:p>
-            <a:r>
-              <a:rPr lang="en-US" altLang="ko-KR" b="1" dirty="0"/>
-              <a:t>Fine-Grained</a:t>
-            </a:r>
-            <a:r>
-              <a:rPr lang="en-US" altLang="ko-KR" dirty="0"/>
-              <a:t> segmentation allows </a:t>
-            </a:r>
-            <a:r>
-              <a:rPr lang="en-US" altLang="ko-KR" b="1" dirty="0"/>
-              <a:t>more flexibility</a:t>
-            </a:r>
-            <a:r>
-              <a:rPr lang="en-US" altLang="ko-KR" dirty="0"/>
-              <a:t> for address space in some early system.</a:t>
-            </a:r>
-          </a:p>
-          <a:p>
-            <a:pPr lvl="1"/>
-            <a:r>
-              <a:rPr lang="en-US" altLang="ko-KR" dirty="0"/>
-              <a:t>To support many segments, Hardware support with a </a:t>
-            </a:r>
-            <a:r>
-              <a:rPr lang="en-US" altLang="ko-KR" b="1" dirty="0"/>
-              <a:t>segment table</a:t>
-            </a:r>
-            <a:r>
-              <a:rPr lang="en-US" altLang="ko-KR" dirty="0"/>
-              <a:t> is required. </a:t>
-            </a:r>
-          </a:p>
-          <a:p>
-            <a:endParaRPr lang="ko-KR" altLang="en-US" dirty="0"/>
-          </a:p>
-        </p:txBody>
-      </p:sp>
-    </p:spTree>
-    <p:extLst>
-      <p:ext uri="{BB962C8B-B14F-4D97-AF65-F5344CB8AC3E}">
-        <p14:creationId xmlns:p14="http://schemas.microsoft.com/office/powerpoint/2010/main" val="2729063253"/>
-      </p:ext>
-    </p:extLst>
-  </p:cSld>
-  <p:clrMapOvr>
-    <a:masterClrMapping/>
-  </p:clrMapOvr>
-  <p:transition>
-    <p:zoom/>
-  </p:transition>
-</p:sld>
-</file>
-
 <file path=ppt/slides/slide16.xml><?xml version="1.0" encoding="utf-8"?>
 <p:sld xmlns:a="http://schemas.openxmlformats.org/drawingml/2006/main" xmlns:r="http://schemas.openxmlformats.org/officeDocument/2006/relationships" xmlns:p="http://schemas.openxmlformats.org/presentationml/2006/main">
   <p:cSld>
@@ -9070,7 +9190,7 @@
           <a:p>
             <a:r>
               <a:rPr lang="en-US" altLang="ko-KR" dirty="0"/>
-              <a:t>OS support: Fragmentation</a:t>
+              <a:t>Fine-Grained and Coarse-Grained Segmentation</a:t>
             </a:r>
             <a:endParaRPr lang="ko-KR" altLang="en-US" dirty="0"/>
           </a:p>
@@ -9093,6 +9213,243 @@
           <a:p>
             <a:r>
               <a:rPr lang="en-US" altLang="ko-KR" b="1" dirty="0"/>
+              <a:t>Coarse-Grained</a:t>
+            </a:r>
+            <a:r>
+              <a:rPr lang="en-US" altLang="ko-KR" dirty="0"/>
+              <a:t> means segmentation in a small number</a:t>
+            </a:r>
+          </a:p>
+          <a:p>
+            <a:pPr lvl="1"/>
+            <a:r>
+              <a:rPr lang="en-US" altLang="ko-KR" dirty="0"/>
+              <a:t> e.g., code, heap, stack</a:t>
+            </a:r>
+          </a:p>
+          <a:p>
+            <a:r>
+              <a:rPr lang="en-US" altLang="ko-KR" b="1" dirty="0"/>
+              <a:t>Fine-Grained</a:t>
+            </a:r>
+            <a:r>
+              <a:rPr lang="en-US" altLang="ko-KR" dirty="0"/>
+              <a:t> segmentation allows </a:t>
+            </a:r>
+            <a:r>
+              <a:rPr lang="en-US" altLang="ko-KR" b="1" dirty="0"/>
+              <a:t>more flexibility</a:t>
+            </a:r>
+            <a:r>
+              <a:rPr lang="en-US" altLang="ko-KR" dirty="0"/>
+              <a:t> for address space in some early system</a:t>
+            </a:r>
+          </a:p>
+          <a:p>
+            <a:pPr lvl="1"/>
+            <a:r>
+              <a:rPr lang="en-US" altLang="ko-KR" dirty="0"/>
+              <a:t>To support many segments, hardware support with a </a:t>
+            </a:r>
+            <a:r>
+              <a:rPr lang="en-US" altLang="ko-KR" b="1" dirty="0"/>
+              <a:t>segment table</a:t>
+            </a:r>
+            <a:r>
+              <a:rPr lang="en-US" altLang="ko-KR" dirty="0"/>
+              <a:t> is required</a:t>
+            </a:r>
+          </a:p>
+          <a:p>
+            <a:endParaRPr lang="ko-KR" altLang="en-US" dirty="0"/>
+          </a:p>
+        </p:txBody>
+      </p:sp>
+    </p:spTree>
+    <p:extLst>
+      <p:ext uri="{BB962C8B-B14F-4D97-AF65-F5344CB8AC3E}">
+        <p14:creationId xmlns:p14="http://schemas.microsoft.com/office/powerpoint/2010/main" val="2729063253"/>
+      </p:ext>
+    </p:extLst>
+  </p:cSld>
+  <p:clrMapOvr>
+    <a:masterClrMapping/>
+  </p:clrMapOvr>
+  <p:transition>
+    <p:zoom/>
+  </p:transition>
+</p:sld>
+</file>
+
+<file path=ppt/slides/slide17.xml><?xml version="1.0" encoding="utf-8"?>
+<p:sld xmlns:a="http://schemas.openxmlformats.org/drawingml/2006/main" xmlns:r="http://schemas.openxmlformats.org/officeDocument/2006/relationships" xmlns:p="http://schemas.openxmlformats.org/presentationml/2006/main">
+  <p:cSld>
+    <p:spTree>
+      <p:nvGrpSpPr>
+        <p:cNvPr id="1" name=""/>
+        <p:cNvGrpSpPr/>
+        <p:nvPr/>
+      </p:nvGrpSpPr>
+      <p:grpSpPr>
+        <a:xfrm>
+          <a:off x="0" y="0"/>
+          <a:ext cx="0" cy="0"/>
+          <a:chOff x="0" y="0"/>
+          <a:chExt cx="0" cy="0"/>
+        </a:xfrm>
+      </p:grpSpPr>
+      <p:sp>
+        <p:nvSpPr>
+          <p:cNvPr id="3" name="Title 2">
+            <a:extLst>
+              <a:ext uri="{FF2B5EF4-FFF2-40B4-BE49-F238E27FC236}">
+                <a16:creationId xmlns:a16="http://schemas.microsoft.com/office/drawing/2014/main" id="{947FD29E-DD30-495A-926D-8D64308F2990}"/>
+              </a:ext>
+            </a:extLst>
+          </p:cNvPr>
+          <p:cNvSpPr>
+            <a:spLocks noGrp="1"/>
+          </p:cNvSpPr>
+          <p:nvPr>
+            <p:ph type="title"/>
+          </p:nvPr>
+        </p:nvSpPr>
+        <p:spPr/>
+        <p:txBody>
+          <a:bodyPr/>
+          <a:lstStyle/>
+          <a:p>
+            <a:r>
+              <a:rPr lang="en-PH" dirty="0"/>
+              <a:t>OS Support for Segmentation</a:t>
+            </a:r>
+          </a:p>
+        </p:txBody>
+      </p:sp>
+      <p:sp>
+        <p:nvSpPr>
+          <p:cNvPr id="4" name="Content Placeholder 3">
+            <a:extLst>
+              <a:ext uri="{FF2B5EF4-FFF2-40B4-BE49-F238E27FC236}">
+                <a16:creationId xmlns:a16="http://schemas.microsoft.com/office/drawing/2014/main" id="{C17D063B-4BCE-4F25-960F-D6FB9213F6B2}"/>
+              </a:ext>
+            </a:extLst>
+          </p:cNvPr>
+          <p:cNvSpPr>
+            <a:spLocks noGrp="1"/>
+          </p:cNvSpPr>
+          <p:nvPr>
+            <p:ph idx="1"/>
+          </p:nvPr>
+        </p:nvSpPr>
+        <p:spPr/>
+        <p:txBody>
+          <a:bodyPr/>
+          <a:lstStyle/>
+          <a:p>
+            <a:r>
+              <a:rPr lang="en-PH" dirty="0"/>
+              <a:t>What should the OS do during context switch?</a:t>
+            </a:r>
+          </a:p>
+          <a:p>
+            <a:r>
+              <a:rPr lang="en-PH" dirty="0"/>
+              <a:t>What should the OS do when a segment grows?</a:t>
+            </a:r>
+          </a:p>
+          <a:p>
+            <a:r>
+              <a:rPr lang="en-PH" dirty="0"/>
+              <a:t>How should the free space in memory be managed?</a:t>
+            </a:r>
+          </a:p>
+          <a:p>
+            <a:pPr lvl="1"/>
+            <a:r>
+              <a:rPr lang="en-PH" dirty="0"/>
+              <a:t>There are variable segment sizes</a:t>
+            </a:r>
+          </a:p>
+        </p:txBody>
+      </p:sp>
+    </p:spTree>
+    <p:extLst>
+      <p:ext uri="{BB962C8B-B14F-4D97-AF65-F5344CB8AC3E}">
+        <p14:creationId xmlns:p14="http://schemas.microsoft.com/office/powerpoint/2010/main" val="3578826273"/>
+      </p:ext>
+    </p:extLst>
+  </p:cSld>
+  <p:clrMapOvr>
+    <a:masterClrMapping/>
+  </p:clrMapOvr>
+  <p:transition>
+    <p:zoom/>
+  </p:transition>
+</p:sld>
+</file>
+
+<file path=ppt/slides/slide18.xml><?xml version="1.0" encoding="utf-8"?>
+<p:sld xmlns:a="http://schemas.openxmlformats.org/drawingml/2006/main" xmlns:r="http://schemas.openxmlformats.org/officeDocument/2006/relationships" xmlns:p="http://schemas.openxmlformats.org/presentationml/2006/main">
+  <p:cSld>
+    <p:spTree>
+      <p:nvGrpSpPr>
+        <p:cNvPr id="1" name=""/>
+        <p:cNvGrpSpPr/>
+        <p:nvPr/>
+      </p:nvGrpSpPr>
+      <p:grpSpPr>
+        <a:xfrm>
+          <a:off x="0" y="0"/>
+          <a:ext cx="0" cy="0"/>
+          <a:chOff x="0" y="0"/>
+          <a:chExt cx="0" cy="0"/>
+        </a:xfrm>
+      </p:grpSpPr>
+      <p:sp>
+        <p:nvSpPr>
+          <p:cNvPr id="2" name="제목 1"/>
+          <p:cNvSpPr>
+            <a:spLocks noGrp="1"/>
+          </p:cNvSpPr>
+          <p:nvPr>
+            <p:ph type="title"/>
+          </p:nvPr>
+        </p:nvSpPr>
+        <p:spPr/>
+        <p:txBody>
+          <a:bodyPr/>
+          <a:lstStyle/>
+          <a:p>
+            <a:r>
+              <a:rPr lang="en-PH" dirty="0"/>
+              <a:t>OS Support for Segmentation</a:t>
+            </a:r>
+            <a:r>
+              <a:rPr lang="en-US" altLang="ko-KR" dirty="0"/>
+              <a:t>: Fragmentation</a:t>
+            </a:r>
+            <a:endParaRPr lang="ko-KR" altLang="en-US" dirty="0"/>
+          </a:p>
+        </p:txBody>
+      </p:sp>
+      <p:sp>
+        <p:nvSpPr>
+          <p:cNvPr id="3" name="내용 개체 틀 2"/>
+          <p:cNvSpPr>
+            <a:spLocks noGrp="1"/>
+          </p:cNvSpPr>
+          <p:nvPr>
+            <p:ph idx="1"/>
+          </p:nvPr>
+        </p:nvSpPr>
+        <p:spPr/>
+        <p:txBody>
+          <a:bodyPr/>
+          <a:lstStyle/>
+          <a:p>
+            <a:r>
+              <a:rPr lang="en-US" altLang="ko-KR" b="1" dirty="0"/>
               <a:t>External Fragmentation</a:t>
             </a:r>
             <a:r>
@@ -9105,7 +9462,7 @@
             </a:r>
             <a:r>
               <a:rPr lang="en-US" altLang="ko-KR" dirty="0"/>
-              <a:t> in physical memory that make difficulty to allocate new segments.</a:t>
+              <a:t> in physical memory that make it difficulty to allocate new segments</a:t>
             </a:r>
           </a:p>
           <a:p>
@@ -9128,7 +9485,7 @@
             </a:r>
             <a:r>
               <a:rPr lang="en-US" altLang="ko-KR" dirty="0"/>
-              <a:t> segment.</a:t>
+              <a:t> segment</a:t>
             </a:r>
           </a:p>
           <a:p>
@@ -9143,18 +9500,12 @@
             </a:r>
             <a:r>
               <a:rPr lang="en-US" altLang="ko-KR" dirty="0"/>
-              <a:t> satisfy the </a:t>
+              <a:t> satisfy a </a:t>
             </a:r>
             <a:r>
               <a:rPr lang="en-US" altLang="ko-KR" b="1" dirty="0"/>
               <a:t>20KB request</a:t>
             </a:r>
-            <a:r>
-              <a:rPr lang="en-US" altLang="ko-KR" dirty="0"/>
-              <a:t>.</a:t>
-            </a:r>
-          </a:p>
-          <a:p>
             <a:endParaRPr lang="en-US" altLang="ko-KR" dirty="0"/>
           </a:p>
           <a:p>
@@ -9172,7 +9523,7 @@
             </a:r>
             <a:r>
               <a:rPr lang="en-US" altLang="ko-KR" dirty="0"/>
-              <a:t> the exiting segments in physical memory.</a:t>
+              <a:t> the existing segments in physical memory</a:t>
             </a:r>
           </a:p>
           <a:p>
@@ -9185,10 +9536,7 @@
               <a:rPr lang="en-US" altLang="ko-KR" b="1" dirty="0"/>
               <a:t>costly</a:t>
             </a:r>
-            <a:r>
-              <a:rPr lang="en-US" altLang="ko-KR" dirty="0"/>
-              <a:t>.</a:t>
-            </a:r>
+            <a:endParaRPr lang="en-US" altLang="ko-KR" dirty="0"/>
           </a:p>
           <a:p>
             <a:pPr lvl="2"/>
@@ -9209,7 +9557,7 @@
             </a:r>
             <a:r>
               <a:rPr lang="en-US" altLang="ko-KR" dirty="0"/>
-              <a:t> data to somewhere.</a:t>
+              <a:t> data to somewhere</a:t>
             </a:r>
           </a:p>
           <a:p>
@@ -9220,11 +9568,32 @@
             </a:r>
             <a:r>
               <a:rPr lang="en-US" altLang="ko-KR" dirty="0"/>
-              <a:t> segment register value.</a:t>
+              <a:t> segment register value</a:t>
+            </a:r>
+          </a:p>
+          <a:p>
+            <a:r>
+              <a:rPr lang="en-US" altLang="ko-KR" dirty="0"/>
+              <a:t>Better to use a </a:t>
+            </a:r>
+            <a:r>
+              <a:rPr lang="en-US" altLang="ko-KR" b="1" dirty="0"/>
+              <a:t>free-list management algorithm</a:t>
             </a:r>
           </a:p>
           <a:p>
             <a:pPr lvl="1"/>
+            <a:r>
+              <a:rPr lang="en-PH" altLang="ko-KR" dirty="0"/>
+              <a:t>Keep large extends of memory available for allocation</a:t>
+            </a:r>
+          </a:p>
+          <a:p>
+            <a:pPr lvl="1"/>
+            <a:r>
+              <a:rPr lang="en-PH" altLang="ko-KR" dirty="0"/>
+              <a:t>Approaches: best-fit, worst-fit, buddy-algorithm</a:t>
+            </a:r>
             <a:endParaRPr lang="ko-KR" altLang="en-US" dirty="0"/>
           </a:p>
         </p:txBody>
@@ -9245,7 +9614,7 @@
 </p:sld>
 </file>
 
-<file path=ppt/slides/slide17.xml><?xml version="1.0" encoding="utf-8"?>
+<file path=ppt/slides/slide19.xml><?xml version="1.0" encoding="utf-8"?>
 <p:sld xmlns:a="http://schemas.openxmlformats.org/drawingml/2006/main" xmlns:r="http://schemas.openxmlformats.org/officeDocument/2006/relationships" xmlns:p="http://schemas.openxmlformats.org/presentationml/2006/main">
   <p:cSld>
     <p:spTree>
@@ -11284,7 +11653,7 @@
           <a:p>
             <a:r>
               <a:rPr lang="en-US" altLang="ko-KR" sz="2000" dirty="0"/>
-              <a:t>Inefficiency of the Base and Bound Approach</a:t>
+              <a:t>Inefficiency of the Base and Bounds Registers Approach</a:t>
             </a:r>
             <a:endParaRPr lang="ko-KR" altLang="en-US" sz="2000" dirty="0"/>
           </a:p>
@@ -12299,7 +12668,7 @@
           <a:p>
             <a:r>
               <a:rPr lang="en-US" altLang="ko-KR" dirty="0"/>
-              <a:t>Segmentation</a:t>
+              <a:t>Segmentation: Generalized Base and Bounds</a:t>
             </a:r>
             <a:endParaRPr lang="ko-KR" altLang="en-US" dirty="0"/>
           </a:p>
@@ -12322,7 +12691,29 @@
           <a:p>
             <a:r>
               <a:rPr lang="en-US" altLang="ko-KR" dirty="0"/>
-              <a:t>Segment is just </a:t>
+              <a:t>Motivation: Why not have a base and bounds registers for each </a:t>
+            </a:r>
+            <a:r>
+              <a:rPr lang="en-US" altLang="ko-KR" b="1" dirty="0"/>
+              <a:t>logical section</a:t>
+            </a:r>
+            <a:r>
+              <a:rPr lang="en-US" altLang="ko-KR" dirty="0"/>
+              <a:t> in a process’ address space?</a:t>
+            </a:r>
+          </a:p>
+          <a:p>
+            <a:r>
+              <a:rPr lang="en-US" altLang="ko-KR" dirty="0"/>
+              <a:t>A </a:t>
+            </a:r>
+            <a:r>
+              <a:rPr lang="en-US" altLang="ko-KR" b="1" dirty="0"/>
+              <a:t>segment</a:t>
+            </a:r>
+            <a:r>
+              <a:rPr lang="en-US" altLang="ko-KR" dirty="0"/>
+              <a:t> is just </a:t>
             </a:r>
             <a:r>
               <a:rPr lang="en-US" altLang="ko-KR" b="1" dirty="0"/>
@@ -12330,7 +12721,7 @@
             </a:r>
             <a:r>
               <a:rPr lang="en-US" altLang="ko-KR" dirty="0"/>
-              <a:t> of the address space of a particular length.</a:t>
+              <a:t> of the address space of a particular length</a:t>
             </a:r>
           </a:p>
           <a:p>
@@ -12341,10 +12732,6 @@
             </a:r>
           </a:p>
           <a:p>
-            <a:pPr lvl="1"/>
-            <a:endParaRPr lang="en-US" altLang="ko-KR" dirty="0"/>
-          </a:p>
-          <a:p>
             <a:r>
               <a:rPr lang="en-US" altLang="ko-KR" dirty="0"/>
               <a:t>Each segment can be </a:t>
@@ -12361,10 +12748,7 @@
               <a:rPr lang="en-US" altLang="ko-KR" b="1" dirty="0"/>
               <a:t>different part of physical memory</a:t>
             </a:r>
-            <a:r>
-              <a:rPr lang="en-US" altLang="ko-KR" dirty="0"/>
-              <a:t>.</a:t>
-            </a:r>
+            <a:endParaRPr lang="en-US" altLang="ko-KR" dirty="0"/>
           </a:p>
           <a:p>
             <a:pPr lvl="1"/>
@@ -12378,20 +12762,17 @@
             </a:r>
             <a:r>
               <a:rPr lang="en-US" altLang="ko-KR" b="1" dirty="0"/>
-              <a:t>bounds</a:t>
+              <a:t>Bounds</a:t>
             </a:r>
             <a:r>
               <a:rPr lang="en-US" altLang="ko-KR" dirty="0"/>
-              <a:t> exist </a:t>
+              <a:t> registers exist </a:t>
             </a:r>
             <a:r>
               <a:rPr lang="en-US" altLang="ko-KR" b="1" dirty="0"/>
-              <a:t>per each segment</a:t>
-            </a:r>
-            <a:r>
-              <a:rPr lang="en-US" altLang="ko-KR" dirty="0"/>
-              <a:t>.</a:t>
-            </a:r>
+              <a:t>per segment</a:t>
+            </a:r>
+            <a:endParaRPr lang="en-US" altLang="ko-KR" dirty="0"/>
           </a:p>
           <a:p>
             <a:endParaRPr lang="en-US" altLang="ko-KR" dirty="0"/>
@@ -12451,7 +12832,7 @@
           <a:p>
             <a:r>
               <a:rPr lang="en-US" altLang="ko-KR" dirty="0"/>
-              <a:t>Placing Segment In Physical Memory</a:t>
+              <a:t>Placing Segments In Physical Memory</a:t>
             </a:r>
             <a:endParaRPr lang="ko-KR" altLang="en-US" dirty="0"/>
           </a:p>
@@ -13486,7 +13867,7 @@
           <a:p>
             <a:r>
               <a:rPr lang="en-US" altLang="ko-KR" dirty="0"/>
-              <a:t>Address Translation on Segmentation</a:t>
+              <a:t>Segmentation: Address Translation Example</a:t>
             </a:r>
             <a:endParaRPr lang="ko-KR" altLang="en-US" dirty="0"/>
           </a:p>
@@ -13507,62 +13888,16 @@
           <a:bodyPr/>
           <a:lstStyle/>
           <a:p>
-            <a:endParaRPr lang="en-US" altLang="ko-KR" dirty="0"/>
-          </a:p>
-          <a:p>
-            <a:endParaRPr lang="en-US" altLang="ko-KR" sz="1050" dirty="0"/>
-          </a:p>
-          <a:p>
             <a:r>
               <a:rPr lang="en-US" altLang="ko-KR" dirty="0"/>
-              <a:t>The </a:t>
-            </a:r>
-            <a:r>
-              <a:rPr lang="en-US" altLang="ko-KR" dirty="0">
-                <a:latin typeface="Courier New" panose="02070309020205020404" pitchFamily="49" charset="0"/>
-                <a:cs typeface="Courier New" panose="02070309020205020404" pitchFamily="49" charset="0"/>
-              </a:rPr>
-              <a:t>offset</a:t>
-            </a:r>
+              <a:t>Assume a reference to virtual address 100 (in code section)</a:t>
+            </a:r>
+          </a:p>
+          <a:p>
+            <a:pPr lvl="1"/>
             <a:r>
               <a:rPr lang="en-US" altLang="ko-KR" dirty="0"/>
-              <a:t> of virtual address </a:t>
-            </a:r>
-            <a:r>
-              <a:rPr lang="en-US" altLang="ko-KR" dirty="0">
-                <a:cs typeface="Courier New" panose="02070309020205020404" pitchFamily="49" charset="0"/>
-              </a:rPr>
-              <a:t>100</a:t>
-            </a:r>
-            <a:r>
-              <a:rPr lang="en-US" altLang="ko-KR" dirty="0"/>
-              <a:t> is </a:t>
-            </a:r>
-            <a:r>
-              <a:rPr lang="en-US" altLang="ko-KR" dirty="0">
-                <a:latin typeface="Courier New" pitchFamily="49" charset="0"/>
-                <a:cs typeface="Courier New" pitchFamily="49" charset="0"/>
-              </a:rPr>
-              <a:t>100</a:t>
-            </a:r>
-            <a:r>
-              <a:rPr lang="en-US" altLang="ko-KR" dirty="0"/>
-              <a:t>.</a:t>
-            </a:r>
-          </a:p>
-          <a:p>
-            <a:pPr lvl="1"/>
-            <a:r>
-              <a:rPr lang="en-US" altLang="ko-KR" dirty="0"/>
-              <a:t>The code segment </a:t>
-            </a:r>
-            <a:r>
-              <a:rPr lang="en-US" altLang="ko-KR" b="1" dirty="0"/>
-              <a:t>starts at virtual address 0 </a:t>
-            </a:r>
-            <a:r>
-              <a:rPr lang="en-US" altLang="ko-KR" dirty="0"/>
-              <a:t>in address space.</a:t>
+              <a:t>Since code section starts at 0 in address space, offset is 100</a:t>
             </a:r>
             <a:endParaRPr lang="ko-KR" altLang="en-US" dirty="0"/>
           </a:p>
@@ -14271,8 +14606,8 @@
           </a:p>
         </p:txBody>
       </p:sp>
-      <mc:AlternateContent xmlns:mc="http://schemas.openxmlformats.org/markup-compatibility/2006" xmlns:a14="http://schemas.microsoft.com/office/drawing/2010/main">
-        <mc:Choice Requires="a14">
+      <mc:AlternateContent xmlns:mc="http://schemas.openxmlformats.org/markup-compatibility/2006">
+        <mc:Choice xmlns:a14="http://schemas.microsoft.com/office/drawing/2010/main" Requires="a14">
           <p:sp>
             <p:nvSpPr>
               <p:cNvPr id="93" name="모서리가 둥근 직사각형 92"/>
@@ -14281,8 +14616,8 @@
             </p:nvSpPr>
             <p:spPr>
               <a:xfrm>
-                <a:off x="3791744" y="941512"/>
-                <a:ext cx="4535092" cy="648072"/>
+                <a:off x="2853590" y="2060848"/>
+                <a:ext cx="4010039" cy="648072"/>
               </a:xfrm>
               <a:prstGeom prst="roundRect">
                 <a:avLst/>
@@ -14329,7 +14664,7 @@
                     </m:oMathParaPr>
                     <m:oMath xmlns:m="http://schemas.openxmlformats.org/officeDocument/2006/math">
                       <m:r>
-                        <a:rPr lang="en-US" altLang="ko-KR" i="1">
+                        <a:rPr lang="en-US" altLang="ko-KR" i="1" smtClean="0">
                           <a:solidFill>
                             <a:srgbClr val="4F81BD"/>
                           </a:solidFill>
@@ -14340,7 +14675,7 @@
                         <m:t>𝑝h𝑦𝑠𝑖𝑐𝑎𝑙</m:t>
                       </m:r>
                       <m:r>
-                        <a:rPr lang="en-US" altLang="ko-KR" i="1">
+                        <a:rPr lang="en-US" altLang="ko-KR" i="1" smtClean="0">
                           <a:solidFill>
                             <a:srgbClr val="4F81BD"/>
                           </a:solidFill>
@@ -14351,7 +14686,7 @@
                         <m:t> </m:t>
                       </m:r>
                       <m:r>
-                        <a:rPr lang="en-US" altLang="ko-KR" i="1">
+                        <a:rPr lang="en-US" altLang="ko-KR" i="1" smtClean="0">
                           <a:solidFill>
                             <a:srgbClr val="4F81BD"/>
                           </a:solidFill>
@@ -14362,7 +14697,7 @@
                         <m:t>𝑎𝑑𝑑𝑟𝑒𝑠𝑠</m:t>
                       </m:r>
                       <m:r>
-                        <a:rPr lang="en-US" altLang="ko-KR" i="1">
+                        <a:rPr lang="en-US" altLang="ko-KR" i="1" smtClean="0">
                           <a:solidFill>
                             <a:srgbClr val="4F81BD"/>
                           </a:solidFill>
@@ -14373,29 +14708,7 @@
                         <m:t>=</m:t>
                       </m:r>
                       <m:r>
-                        <a:rPr lang="en-US" altLang="ko-KR" i="1">
-                          <a:solidFill>
-                            <a:srgbClr val="4F81BD"/>
-                          </a:solidFill>
-                          <a:latin typeface="Cambria Math"/>
-                          <a:ea typeface="맑은 고딕" pitchFamily="50" charset="-127"/>
-                          <a:cs typeface="Courier New" pitchFamily="49" charset="0"/>
-                        </a:rPr>
-                        <m:t>𝑜𝑓𝑓𝑠𝑒𝑡</m:t>
-                      </m:r>
-                      <m:r>
-                        <a:rPr lang="en-US" altLang="ko-KR" i="1">
-                          <a:solidFill>
-                            <a:srgbClr val="4F81BD"/>
-                          </a:solidFill>
-                          <a:latin typeface="Cambria Math"/>
-                          <a:ea typeface="맑은 고딕" pitchFamily="50" charset="-127"/>
-                          <a:cs typeface="Courier New" pitchFamily="49" charset="0"/>
-                        </a:rPr>
-                        <m:t>+</m:t>
-                      </m:r>
-                      <m:r>
-                        <a:rPr lang="en-US" altLang="ko-KR" i="1">
+                        <a:rPr lang="en-US" altLang="ko-KR" i="1" smtClean="0">
                           <a:solidFill>
                             <a:srgbClr val="4F81BD"/>
                           </a:solidFill>
@@ -14404,6 +14717,28 @@
                           <a:cs typeface="Courier New" pitchFamily="49" charset="0"/>
                         </a:rPr>
                         <m:t>𝑏𝑎𝑠𝑒</m:t>
+                      </m:r>
+                      <m:r>
+                        <a:rPr lang="en-PH" altLang="ko-KR" b="0" i="1" smtClean="0">
+                          <a:solidFill>
+                            <a:srgbClr val="4F81BD"/>
+                          </a:solidFill>
+                          <a:latin typeface="Cambria Math" panose="02040503050406030204" pitchFamily="18" charset="0"/>
+                          <a:ea typeface="맑은 고딕" pitchFamily="50" charset="-127"/>
+                          <a:cs typeface="Courier New" pitchFamily="49" charset="0"/>
+                        </a:rPr>
+                        <m:t>+</m:t>
+                      </m:r>
+                      <m:r>
+                        <a:rPr lang="en-PH" altLang="ko-KR" b="0" i="1" smtClean="0">
+                          <a:solidFill>
+                            <a:srgbClr val="4F81BD"/>
+                          </a:solidFill>
+                          <a:latin typeface="Cambria Math" panose="02040503050406030204" pitchFamily="18" charset="0"/>
+                          <a:ea typeface="맑은 고딕" pitchFamily="50" charset="-127"/>
+                          <a:cs typeface="Courier New" pitchFamily="49" charset="0"/>
+                        </a:rPr>
+                        <m:t>𝑜𝑓𝑓𝑠𝑒𝑡</m:t>
                       </m:r>
                     </m:oMath>
                   </m:oMathPara>
@@ -14420,7 +14755,7 @@
             </p:txBody>
           </p:sp>
         </mc:Choice>
-        <mc:Fallback xmlns="">
+        <mc:Fallback>
           <p:sp>
             <p:nvSpPr>
               <p:cNvPr id="93" name="모서리가 둥근 직사각형 92"/>
@@ -14431,8 +14766,8 @@
             </p:nvSpPr>
             <p:spPr>
               <a:xfrm>
-                <a:off x="3791744" y="941512"/>
-                <a:ext cx="4535092" cy="648072"/>
+                <a:off x="2853590" y="2060848"/>
+                <a:ext cx="4010039" cy="648072"/>
               </a:xfrm>
               <a:prstGeom prst="roundRect">
                 <a:avLst/>
@@ -15036,8 +15371,8 @@
           </a:fontRef>
         </p:style>
       </p:cxnSp>
-      <mc:AlternateContent xmlns:mc="http://schemas.openxmlformats.org/markup-compatibility/2006" xmlns:a14="http://schemas.microsoft.com/office/drawing/2010/main">
-        <mc:Choice Requires="a14">
+      <mc:AlternateContent xmlns:mc="http://schemas.openxmlformats.org/markup-compatibility/2006">
+        <mc:Choice xmlns:a14="http://schemas.microsoft.com/office/drawing/2010/main" Requires="a14">
           <p:sp>
             <p:nvSpPr>
               <p:cNvPr id="134" name="모서리가 둥근 직사각형 133"/>
@@ -15086,29 +15421,7 @@
                 <a14:m>
                   <m:oMath xmlns:m="http://schemas.openxmlformats.org/officeDocument/2006/math">
                     <m:r>
-                      <a:rPr lang="en-US" altLang="ko-KR" sz="1600" b="1" i="1">
-                        <a:solidFill>
-                          <a:srgbClr val="4F81BD"/>
-                        </a:solidFill>
-                        <a:latin typeface="Cambria Math"/>
-                        <a:ea typeface="맑은 고딕" pitchFamily="50" charset="-127"/>
-                        <a:cs typeface="Courier New" pitchFamily="49" charset="0"/>
-                      </a:rPr>
-                      <m:t>𝟏𝟎𝟎</m:t>
-                    </m:r>
-                    <m:r>
-                      <a:rPr lang="en-US" altLang="ko-KR" sz="1600" b="1" i="1">
-                        <a:solidFill>
-                          <a:srgbClr val="4F81BD"/>
-                        </a:solidFill>
-                        <a:latin typeface="Cambria Math"/>
-                        <a:ea typeface="맑은 고딕" pitchFamily="50" charset="-127"/>
-                        <a:cs typeface="Courier New" pitchFamily="49" charset="0"/>
-                      </a:rPr>
-                      <m:t>+</m:t>
-                    </m:r>
-                    <m:r>
-                      <a:rPr lang="en-US" altLang="ko-KR" sz="1600" b="1" i="1">
+                      <a:rPr lang="en-US" altLang="ko-KR" sz="1600" b="1" i="1" smtClean="0">
                         <a:solidFill>
                           <a:srgbClr val="4F81BD"/>
                         </a:solidFill>
@@ -15119,7 +15432,7 @@
                       <m:t>𝟑𝟐</m:t>
                     </m:r>
                     <m:r>
-                      <a:rPr lang="en-US" altLang="ko-KR" sz="1600" b="1" i="1">
+                      <a:rPr lang="en-US" altLang="ko-KR" sz="1600" b="1" i="1" smtClean="0">
                         <a:solidFill>
                           <a:srgbClr val="4F81BD"/>
                         </a:solidFill>
@@ -15130,37 +15443,37 @@
                       <m:t>𝑲</m:t>
                     </m:r>
                     <m:r>
-                      <a:rPr lang="en-US" altLang="ko-KR" sz="1600" b="1" i="1">
+                      <a:rPr lang="en-PH" altLang="ko-KR" sz="1600" b="1" i="1" smtClean="0">
                         <a:solidFill>
                           <a:srgbClr val="4F81BD"/>
                         </a:solidFill>
-                        <a:latin typeface="Cambria Math"/>
+                        <a:latin typeface="Cambria Math" panose="02040503050406030204" pitchFamily="18" charset="0"/>
                         <a:ea typeface="맑은 고딕" pitchFamily="50" charset="-127"/>
                         <a:cs typeface="Courier New" pitchFamily="49" charset="0"/>
                       </a:rPr>
-                      <m:t> </m:t>
+                      <m:t>+</m:t>
                     </m:r>
                     <m:r>
-                      <a:rPr lang="en-US" altLang="ko-KR" sz="1600" b="1" i="1">
+                      <a:rPr lang="en-PH" altLang="ko-KR" sz="1600" b="1" i="1" smtClean="0">
                         <a:solidFill>
                           <a:srgbClr val="4F81BD"/>
                         </a:solidFill>
-                        <a:latin typeface="Cambria Math"/>
+                        <a:latin typeface="Cambria Math" panose="02040503050406030204" pitchFamily="18" charset="0"/>
                         <a:ea typeface="맑은 고딕" pitchFamily="50" charset="-127"/>
                         <a:cs typeface="Courier New" pitchFamily="49" charset="0"/>
                       </a:rPr>
-                      <m:t>𝒐𝒓</m:t>
+                      <m:t>𝟏𝟎𝟎</m:t>
                     </m:r>
                     <m:r>
-                      <a:rPr lang="en-US" altLang="ko-KR" sz="1600" b="1" i="1">
+                      <a:rPr lang="en-PH" altLang="ko-KR" sz="1600" b="1" i="1" smtClean="0">
                         <a:solidFill>
                           <a:srgbClr val="4F81BD"/>
                         </a:solidFill>
-                        <a:latin typeface="Cambria Math"/>
+                        <a:latin typeface="Cambria Math" panose="02040503050406030204" pitchFamily="18" charset="0"/>
                         <a:ea typeface="맑은 고딕" pitchFamily="50" charset="-127"/>
                         <a:cs typeface="Courier New" pitchFamily="49" charset="0"/>
                       </a:rPr>
-                      <m:t> </m:t>
+                      <m:t>= </m:t>
                     </m:r>
                     <m:r>
                       <a:rPr lang="en-US" altLang="ko-KR" sz="1600" b="1" i="1">
@@ -15190,7 +15503,7 @@
             </p:txBody>
           </p:sp>
         </mc:Choice>
-        <mc:Fallback xmlns="">
+        <mc:Fallback>
           <p:sp>
             <p:nvSpPr>
               <p:cNvPr id="134" name="모서리가 둥근 직사각형 133"/>
@@ -15237,6 +15550,36 @@
           </p:sp>
         </mc:Fallback>
       </mc:AlternateContent>
+      <p:pic>
+        <p:nvPicPr>
+          <p:cNvPr id="37" name="Picture 36">
+            <a:extLst>
+              <a:ext uri="{FF2B5EF4-FFF2-40B4-BE49-F238E27FC236}">
+                <a16:creationId xmlns:a16="http://schemas.microsoft.com/office/drawing/2014/main" id="{B15D0A80-EE9E-4DE0-A05B-B3940C2B02C1}"/>
+              </a:ext>
+            </a:extLst>
+          </p:cNvPr>
+          <p:cNvPicPr>
+            <a:picLocks noChangeAspect="1"/>
+          </p:cNvPicPr>
+          <p:nvPr/>
+        </p:nvPicPr>
+        <p:blipFill>
+          <a:blip r:embed="rId4"/>
+          <a:stretch>
+            <a:fillRect/>
+          </a:stretch>
+        </p:blipFill>
+        <p:spPr>
+          <a:xfrm>
+            <a:off x="10417604" y="679528"/>
+            <a:ext cx="1633670" cy="4145038"/>
+          </a:xfrm>
+          <a:prstGeom prst="rect">
+            <a:avLst/>
+          </a:prstGeom>
+        </p:spPr>
+      </p:pic>
     </p:spTree>
     <p:extLst>
       <p:ext uri="{BB962C8B-B14F-4D97-AF65-F5344CB8AC3E}">
@@ -15287,7 +15630,7 @@
           <a:p>
             <a:r>
               <a:rPr lang="en-US" altLang="ko-KR" sz="2000" dirty="0"/>
-              <a:t>Address Translation on Segmentation(Cont.)</a:t>
+              <a:t>Segmentation: Address Translation Example (Cont.)</a:t>
             </a:r>
             <a:endParaRPr lang="ko-KR" altLang="en-US" sz="2000" dirty="0"/>
           </a:p>
@@ -15316,54 +15659,22 @@
           <a:p>
             <a:r>
               <a:rPr lang="en-US" altLang="ko-KR" dirty="0"/>
-              <a:t>The </a:t>
-            </a:r>
-            <a:r>
-              <a:rPr lang="en-US" altLang="ko-KR" dirty="0">
-                <a:latin typeface="Courier New" panose="02070309020205020404" pitchFamily="49" charset="0"/>
-                <a:cs typeface="Courier New" panose="02070309020205020404" pitchFamily="49" charset="0"/>
-              </a:rPr>
-              <a:t>offset</a:t>
-            </a:r>
+              <a:t>Assume a reference to virtual address 4200 (in head section)</a:t>
+            </a:r>
+          </a:p>
+          <a:p>
+            <a:pPr lvl="1"/>
             <a:r>
               <a:rPr lang="en-US" altLang="ko-KR" dirty="0"/>
-              <a:t> of virtual address </a:t>
-            </a:r>
-            <a:r>
-              <a:rPr lang="en-US" altLang="ko-KR" dirty="0">
-                <a:cs typeface="Courier New" panose="02070309020205020404" pitchFamily="49" charset="0"/>
-              </a:rPr>
-              <a:t>4200</a:t>
+              <a:t>The heap section </a:t>
+            </a:r>
+            <a:r>
+              <a:rPr lang="en-US" altLang="ko-KR" b="1" dirty="0"/>
+              <a:t>starts at virtual address 4096(4KB)</a:t>
             </a:r>
             <a:r>
               <a:rPr lang="en-US" altLang="ko-KR" dirty="0"/>
-              <a:t> is </a:t>
-            </a:r>
-            <a:r>
-              <a:rPr lang="en-US" altLang="ko-KR" dirty="0">
-                <a:latin typeface="Courier New" pitchFamily="49" charset="0"/>
-                <a:cs typeface="Courier New" pitchFamily="49" charset="0"/>
-              </a:rPr>
-              <a:t>104</a:t>
-            </a:r>
-            <a:r>
-              <a:rPr lang="en-US" altLang="ko-KR" dirty="0"/>
-              <a:t>.</a:t>
-            </a:r>
-          </a:p>
-          <a:p>
-            <a:pPr lvl="1"/>
-            <a:r>
-              <a:rPr lang="en-US" altLang="ko-KR" dirty="0"/>
-              <a:t>The heap segment </a:t>
-            </a:r>
-            <a:r>
-              <a:rPr lang="en-US" altLang="ko-KR" b="1" dirty="0"/>
-              <a:t>starts at virtual address 4096</a:t>
-            </a:r>
-            <a:r>
-              <a:rPr lang="en-US" altLang="ko-KR" dirty="0"/>
-              <a:t> in address space.</a:t>
+              <a:t> in address space, offset=4200-4096=104</a:t>
             </a:r>
           </a:p>
           <a:p>
@@ -17152,6 +17463,36 @@
           </p:sp>
         </mc:Fallback>
       </mc:AlternateContent>
+      <p:pic>
+        <p:nvPicPr>
+          <p:cNvPr id="5" name="Picture 4">
+            <a:extLst>
+              <a:ext uri="{FF2B5EF4-FFF2-40B4-BE49-F238E27FC236}">
+                <a16:creationId xmlns:a16="http://schemas.microsoft.com/office/drawing/2014/main" id="{395970AB-8EEF-492C-B648-8F2D58A1BB7E}"/>
+              </a:ext>
+            </a:extLst>
+          </p:cNvPr>
+          <p:cNvPicPr>
+            <a:picLocks noChangeAspect="1"/>
+          </p:cNvPicPr>
+          <p:nvPr/>
+        </p:nvPicPr>
+        <p:blipFill>
+          <a:blip r:embed="rId4"/>
+          <a:stretch>
+            <a:fillRect/>
+          </a:stretch>
+        </p:blipFill>
+        <p:spPr>
+          <a:xfrm>
+            <a:off x="10427612" y="708820"/>
+            <a:ext cx="1633670" cy="4145038"/>
+          </a:xfrm>
+          <a:prstGeom prst="rect">
+            <a:avLst/>
+          </a:prstGeom>
+        </p:spPr>
+      </p:pic>
     </p:spTree>
     <p:extLst>
       <p:ext uri="{BB962C8B-B14F-4D97-AF65-F5344CB8AC3E}">

--- a/cmsc125/ostep/slides/01.Virtualization/16.Segmentation.pptx
+++ b/cmsc125/ostep/slides/01.Virtualization/16.Segmentation.pptx
@@ -256,7 +256,7 @@
           <a:p>
             <a:fld id="{050F0499-AE52-4672-879B-3107B2FC2A9F}" type="datetimeFigureOut">
               <a:rPr lang="ko-KR" altLang="en-US" smtClean="0"/>
-              <a:t>2021-10-16</a:t>
+              <a:t>2021-10-17</a:t>
             </a:fld>
             <a:endParaRPr lang="ko-KR" altLang="en-US"/>
           </a:p>
@@ -8889,13 +8889,13 @@
             <a:pPr lvl="1"/>
             <a:r>
               <a:rPr lang="en-US" altLang="ko-KR" dirty="0"/>
-              <a:t> by extra hardware support.</a:t>
+              <a:t> by using extra hardware support</a:t>
             </a:r>
           </a:p>
           <a:p>
             <a:r>
               <a:rPr lang="en-US" altLang="ko-KR" dirty="0"/>
-              <a:t>Extra hardware support is need: </a:t>
+              <a:t>Extra hardware support is needed: </a:t>
             </a:r>
             <a:r>
               <a:rPr lang="en-US" altLang="ko-KR" b="1" dirty="0"/>
@@ -9427,7 +9427,7 @@
             </a:r>
             <a:r>
               <a:rPr lang="en-US" altLang="ko-KR" dirty="0"/>
-              <a:t>: Fragmentation</a:t>
+              <a:t>: Managing Fragmentation</a:t>
             </a:r>
             <a:endParaRPr lang="ko-KR" altLang="en-US" dirty="0"/>
           </a:p>
@@ -14606,8 +14606,8 @@
           </a:p>
         </p:txBody>
       </p:sp>
-      <mc:AlternateContent xmlns:mc="http://schemas.openxmlformats.org/markup-compatibility/2006">
-        <mc:Choice xmlns:a14="http://schemas.microsoft.com/office/drawing/2010/main" Requires="a14">
+      <mc:AlternateContent xmlns:mc="http://schemas.openxmlformats.org/markup-compatibility/2006" xmlns:a14="http://schemas.microsoft.com/office/drawing/2010/main">
+        <mc:Choice Requires="a14">
           <p:sp>
             <p:nvSpPr>
               <p:cNvPr id="93" name="모서리가 둥근 직사각형 92"/>
@@ -14755,7 +14755,7 @@
             </p:txBody>
           </p:sp>
         </mc:Choice>
-        <mc:Fallback>
+        <mc:Fallback xmlns="">
           <p:sp>
             <p:nvSpPr>
               <p:cNvPr id="93" name="모서리가 둥근 직사각형 92"/>
@@ -15371,8 +15371,8 @@
           </a:fontRef>
         </p:style>
       </p:cxnSp>
-      <mc:AlternateContent xmlns:mc="http://schemas.openxmlformats.org/markup-compatibility/2006">
-        <mc:Choice xmlns:a14="http://schemas.microsoft.com/office/drawing/2010/main" Requires="a14">
+      <mc:AlternateContent xmlns:mc="http://schemas.openxmlformats.org/markup-compatibility/2006" xmlns:a14="http://schemas.microsoft.com/office/drawing/2010/main">
+        <mc:Choice Requires="a14">
           <p:sp>
             <p:nvSpPr>
               <p:cNvPr id="134" name="모서리가 둥근 직사각형 133"/>
@@ -15503,7 +15503,7 @@
             </p:txBody>
           </p:sp>
         </mc:Choice>
-        <mc:Fallback>
+        <mc:Fallback xmlns="">
           <p:sp>
             <p:nvSpPr>
               <p:cNvPr id="134" name="모서리가 둥근 직사각형 133"/>
